--- a/document/図.pptx
+++ b/document/図.pptx
@@ -7,6 +7,9 @@
   <p:sldIdLst>
     <p:sldId id="256" r:id="rId2"/>
     <p:sldId id="257" r:id="rId3"/>
+    <p:sldId id="258" r:id="rId4"/>
+    <p:sldId id="259" r:id="rId5"/>
+    <p:sldId id="260" r:id="rId6"/>
   </p:sldIdLst>
   <p:sldSz cx="12192000" cy="6858000"/>
   <p:notesSz cx="6858000" cy="9144000"/>
@@ -271,7 +274,7 @@
           <a:p>
             <a:fld id="{F5A0A58C-DE91-4012-AF7C-49ABC360EE37}" type="datetimeFigureOut">
               <a:rPr kumimoji="1" lang="ja-JP" altLang="en-US" smtClean="0"/>
-              <a:t>2024/1/22</a:t>
+              <a:t>2024/2/1</a:t>
             </a:fld>
             <a:endParaRPr kumimoji="1" lang="ja-JP" altLang="en-US"/>
           </a:p>
@@ -501,7 +504,7 @@
           <a:p>
             <a:fld id="{F5A0A58C-DE91-4012-AF7C-49ABC360EE37}" type="datetimeFigureOut">
               <a:rPr kumimoji="1" lang="ja-JP" altLang="en-US" smtClean="0"/>
-              <a:t>2024/1/22</a:t>
+              <a:t>2024/2/1</a:t>
             </a:fld>
             <a:endParaRPr kumimoji="1" lang="ja-JP" altLang="en-US"/>
           </a:p>
@@ -741,7 +744,7 @@
           <a:p>
             <a:fld id="{F5A0A58C-DE91-4012-AF7C-49ABC360EE37}" type="datetimeFigureOut">
               <a:rPr kumimoji="1" lang="ja-JP" altLang="en-US" smtClean="0"/>
-              <a:t>2024/1/22</a:t>
+              <a:t>2024/2/1</a:t>
             </a:fld>
             <a:endParaRPr kumimoji="1" lang="ja-JP" altLang="en-US"/>
           </a:p>
@@ -971,7 +974,7 @@
           <a:p>
             <a:fld id="{F5A0A58C-DE91-4012-AF7C-49ABC360EE37}" type="datetimeFigureOut">
               <a:rPr kumimoji="1" lang="ja-JP" altLang="en-US" smtClean="0"/>
-              <a:t>2024/1/22</a:t>
+              <a:t>2024/2/1</a:t>
             </a:fld>
             <a:endParaRPr kumimoji="1" lang="ja-JP" altLang="en-US"/>
           </a:p>
@@ -1246,7 +1249,7 @@
           <a:p>
             <a:fld id="{F5A0A58C-DE91-4012-AF7C-49ABC360EE37}" type="datetimeFigureOut">
               <a:rPr kumimoji="1" lang="ja-JP" altLang="en-US" smtClean="0"/>
-              <a:t>2024/1/22</a:t>
+              <a:t>2024/2/1</a:t>
             </a:fld>
             <a:endParaRPr kumimoji="1" lang="ja-JP" altLang="en-US"/>
           </a:p>
@@ -1575,7 +1578,7 @@
           <a:p>
             <a:fld id="{F5A0A58C-DE91-4012-AF7C-49ABC360EE37}" type="datetimeFigureOut">
               <a:rPr kumimoji="1" lang="ja-JP" altLang="en-US" smtClean="0"/>
-              <a:t>2024/1/22</a:t>
+              <a:t>2024/2/1</a:t>
             </a:fld>
             <a:endParaRPr kumimoji="1" lang="ja-JP" altLang="en-US"/>
           </a:p>
@@ -2051,7 +2054,7 @@
           <a:p>
             <a:fld id="{F5A0A58C-DE91-4012-AF7C-49ABC360EE37}" type="datetimeFigureOut">
               <a:rPr kumimoji="1" lang="ja-JP" altLang="en-US" smtClean="0"/>
-              <a:t>2024/1/22</a:t>
+              <a:t>2024/2/1</a:t>
             </a:fld>
             <a:endParaRPr kumimoji="1" lang="ja-JP" altLang="en-US"/>
           </a:p>
@@ -2192,7 +2195,7 @@
           <a:p>
             <a:fld id="{F5A0A58C-DE91-4012-AF7C-49ABC360EE37}" type="datetimeFigureOut">
               <a:rPr kumimoji="1" lang="ja-JP" altLang="en-US" smtClean="0"/>
-              <a:t>2024/1/22</a:t>
+              <a:t>2024/2/1</a:t>
             </a:fld>
             <a:endParaRPr kumimoji="1" lang="ja-JP" altLang="en-US"/>
           </a:p>
@@ -2305,7 +2308,7 @@
           <a:p>
             <a:fld id="{F5A0A58C-DE91-4012-AF7C-49ABC360EE37}" type="datetimeFigureOut">
               <a:rPr kumimoji="1" lang="ja-JP" altLang="en-US" smtClean="0"/>
-              <a:t>2024/1/22</a:t>
+              <a:t>2024/2/1</a:t>
             </a:fld>
             <a:endParaRPr kumimoji="1" lang="ja-JP" altLang="en-US"/>
           </a:p>
@@ -2648,7 +2651,7 @@
           <a:p>
             <a:fld id="{F5A0A58C-DE91-4012-AF7C-49ABC360EE37}" type="datetimeFigureOut">
               <a:rPr kumimoji="1" lang="ja-JP" altLang="en-US" smtClean="0"/>
-              <a:t>2024/1/22</a:t>
+              <a:t>2024/2/1</a:t>
             </a:fld>
             <a:endParaRPr kumimoji="1" lang="ja-JP" altLang="en-US"/>
           </a:p>
@@ -2936,7 +2939,7 @@
           <a:p>
             <a:fld id="{F5A0A58C-DE91-4012-AF7C-49ABC360EE37}" type="datetimeFigureOut">
               <a:rPr kumimoji="1" lang="ja-JP" altLang="en-US" smtClean="0"/>
-              <a:t>2024/1/22</a:t>
+              <a:t>2024/2/1</a:t>
             </a:fld>
             <a:endParaRPr kumimoji="1" lang="ja-JP" altLang="en-US"/>
           </a:p>
@@ -3209,7 +3212,7 @@
           <a:p>
             <a:fld id="{F5A0A58C-DE91-4012-AF7C-49ABC360EE37}" type="datetimeFigureOut">
               <a:rPr kumimoji="1" lang="ja-JP" altLang="en-US" smtClean="0"/>
-              <a:t>2024/1/22</a:t>
+              <a:t>2024/2/1</a:t>
             </a:fld>
             <a:endParaRPr kumimoji="1" lang="ja-JP" altLang="en-US"/>
           </a:p>
@@ -7199,6 +7202,735 @@
 </p:sld>
 </file>
 
+<file path=ppt/slides/slide3.xml><?xml version="1.0" encoding="utf-8"?>
+<p:sld xmlns:a="http://schemas.openxmlformats.org/drawingml/2006/main" xmlns:r="http://schemas.openxmlformats.org/officeDocument/2006/relationships" xmlns:p="http://schemas.openxmlformats.org/presentationml/2006/main">
+  <p:cSld>
+    <p:spTree>
+      <p:nvGrpSpPr>
+        <p:cNvPr id="1" name=""/>
+        <p:cNvGrpSpPr/>
+        <p:nvPr/>
+      </p:nvGrpSpPr>
+      <p:grpSpPr>
+        <a:xfrm>
+          <a:off x="0" y="0"/>
+          <a:ext cx="0" cy="0"/>
+          <a:chOff x="0" y="0"/>
+          <a:chExt cx="0" cy="0"/>
+        </a:xfrm>
+      </p:grpSpPr>
+      <p:grpSp>
+        <p:nvGrpSpPr>
+          <p:cNvPr id="17" name="グループ化 16">
+            <a:extLst>
+              <a:ext uri="{FF2B5EF4-FFF2-40B4-BE49-F238E27FC236}">
+                <a16:creationId xmlns:a16="http://schemas.microsoft.com/office/drawing/2014/main" id="{00BEE5B9-33C9-4F61-AEA7-C4E9E25594F8}"/>
+              </a:ext>
+            </a:extLst>
+          </p:cNvPr>
+          <p:cNvGrpSpPr/>
+          <p:nvPr/>
+        </p:nvGrpSpPr>
+        <p:grpSpPr>
+          <a:xfrm>
+            <a:off x="3264716" y="933275"/>
+            <a:ext cx="5662568" cy="4991449"/>
+            <a:chOff x="3264716" y="933275"/>
+            <a:chExt cx="5662568" cy="4991449"/>
+          </a:xfrm>
+        </p:grpSpPr>
+        <p:pic>
+          <p:nvPicPr>
+            <p:cNvPr id="5" name="図 4">
+              <a:extLst>
+                <a:ext uri="{FF2B5EF4-FFF2-40B4-BE49-F238E27FC236}">
+                  <a16:creationId xmlns:a16="http://schemas.microsoft.com/office/drawing/2014/main" id="{15EB7442-3A91-4E02-B4F7-584F0617573A}"/>
+                </a:ext>
+              </a:extLst>
+            </p:cNvPr>
+            <p:cNvPicPr>
+              <a:picLocks noChangeAspect="1"/>
+            </p:cNvPicPr>
+            <p:nvPr/>
+          </p:nvPicPr>
+          <p:blipFill rotWithShape="1">
+            <a:blip r:embed="rId2">
+              <a:extLst>
+                <a:ext uri="{28A0092B-C50C-407E-A947-70E740481C1C}">
+                  <a14:useLocalDpi xmlns:a14="http://schemas.microsoft.com/office/drawing/2010/main" val="0"/>
+                </a:ext>
+              </a:extLst>
+            </a:blip>
+            <a:srcRect l="6752" t="4932" r="41642" b="4090"/>
+            <a:stretch/>
+          </p:blipFill>
+          <p:spPr>
+            <a:xfrm>
+              <a:off x="3264716" y="933275"/>
+              <a:ext cx="5662568" cy="4991449"/>
+            </a:xfrm>
+            <a:prstGeom prst="rect">
+              <a:avLst/>
+            </a:prstGeom>
+          </p:spPr>
+        </p:pic>
+        <p:cxnSp>
+          <p:nvCxnSpPr>
+            <p:cNvPr id="7" name="直線コネクタ 6">
+              <a:extLst>
+                <a:ext uri="{FF2B5EF4-FFF2-40B4-BE49-F238E27FC236}">
+                  <a16:creationId xmlns:a16="http://schemas.microsoft.com/office/drawing/2014/main" id="{F9E633F5-1D9C-4FCC-9A32-8EC52A404CDB}"/>
+                </a:ext>
+              </a:extLst>
+            </p:cNvPr>
+            <p:cNvCxnSpPr>
+              <a:cxnSpLocks/>
+            </p:cNvCxnSpPr>
+            <p:nvPr/>
+          </p:nvCxnSpPr>
+          <p:spPr>
+            <a:xfrm flipV="1">
+              <a:off x="3892492" y="2255871"/>
+              <a:ext cx="4748169" cy="1"/>
+            </a:xfrm>
+            <a:prstGeom prst="line">
+              <a:avLst/>
+            </a:prstGeom>
+            <a:ln w="38100">
+              <a:solidFill>
+                <a:schemeClr val="accent6"/>
+              </a:solidFill>
+            </a:ln>
+          </p:spPr>
+          <p:style>
+            <a:lnRef idx="1">
+              <a:schemeClr val="accent1"/>
+            </a:lnRef>
+            <a:fillRef idx="0">
+              <a:schemeClr val="accent1"/>
+            </a:fillRef>
+            <a:effectRef idx="0">
+              <a:schemeClr val="accent1"/>
+            </a:effectRef>
+            <a:fontRef idx="minor">
+              <a:schemeClr val="tx1"/>
+            </a:fontRef>
+          </p:style>
+        </p:cxnSp>
+        <p:cxnSp>
+          <p:nvCxnSpPr>
+            <p:cNvPr id="8" name="直線コネクタ 7">
+              <a:extLst>
+                <a:ext uri="{FF2B5EF4-FFF2-40B4-BE49-F238E27FC236}">
+                  <a16:creationId xmlns:a16="http://schemas.microsoft.com/office/drawing/2014/main" id="{4DC66BFC-8912-42A5-9EA4-90AA8659FF2E}"/>
+                </a:ext>
+              </a:extLst>
+            </p:cNvPr>
+            <p:cNvCxnSpPr>
+              <a:cxnSpLocks/>
+            </p:cNvCxnSpPr>
+            <p:nvPr/>
+          </p:nvCxnSpPr>
+          <p:spPr>
+            <a:xfrm>
+              <a:off x="3892492" y="3507996"/>
+              <a:ext cx="4748169" cy="0"/>
+            </a:xfrm>
+            <a:prstGeom prst="line">
+              <a:avLst/>
+            </a:prstGeom>
+            <a:ln w="38100">
+              <a:solidFill>
+                <a:schemeClr val="accent6"/>
+              </a:solidFill>
+            </a:ln>
+          </p:spPr>
+          <p:style>
+            <a:lnRef idx="1">
+              <a:schemeClr val="accent1"/>
+            </a:lnRef>
+            <a:fillRef idx="0">
+              <a:schemeClr val="accent1"/>
+            </a:fillRef>
+            <a:effectRef idx="0">
+              <a:schemeClr val="accent1"/>
+            </a:effectRef>
+            <a:fontRef idx="minor">
+              <a:schemeClr val="tx1"/>
+            </a:fontRef>
+          </p:style>
+        </p:cxnSp>
+        <p:sp>
+          <p:nvSpPr>
+            <p:cNvPr id="11" name="楕円 10">
+              <a:extLst>
+                <a:ext uri="{FF2B5EF4-FFF2-40B4-BE49-F238E27FC236}">
+                  <a16:creationId xmlns:a16="http://schemas.microsoft.com/office/drawing/2014/main" id="{5067C1CE-C2FC-4ED8-B0C0-8D219C0B7475}"/>
+                </a:ext>
+              </a:extLst>
+            </p:cNvPr>
+            <p:cNvSpPr/>
+            <p:nvPr/>
+          </p:nvSpPr>
+          <p:spPr>
+            <a:xfrm>
+              <a:off x="7063530" y="2142625"/>
+              <a:ext cx="234891" cy="226493"/>
+            </a:xfrm>
+            <a:prstGeom prst="ellipse">
+              <a:avLst/>
+            </a:prstGeom>
+            <a:noFill/>
+            <a:ln w="28575">
+              <a:solidFill>
+                <a:srgbClr val="FF0000"/>
+              </a:solidFill>
+            </a:ln>
+          </p:spPr>
+          <p:style>
+            <a:lnRef idx="2">
+              <a:schemeClr val="accent1">
+                <a:shade val="50000"/>
+              </a:schemeClr>
+            </a:lnRef>
+            <a:fillRef idx="1">
+              <a:schemeClr val="accent1"/>
+            </a:fillRef>
+            <a:effectRef idx="0">
+              <a:schemeClr val="accent1"/>
+            </a:effectRef>
+            <a:fontRef idx="minor">
+              <a:schemeClr val="lt1"/>
+            </a:fontRef>
+          </p:style>
+          <p:txBody>
+            <a:bodyPr rtlCol="0" anchor="ctr"/>
+            <a:lstStyle/>
+            <a:p>
+              <a:pPr algn="ctr"/>
+              <a:endParaRPr kumimoji="1" lang="ja-JP" altLang="en-US"/>
+            </a:p>
+          </p:txBody>
+        </p:sp>
+        <p:sp>
+          <p:nvSpPr>
+            <p:cNvPr id="12" name="テキスト ボックス 11">
+              <a:extLst>
+                <a:ext uri="{FF2B5EF4-FFF2-40B4-BE49-F238E27FC236}">
+                  <a16:creationId xmlns:a16="http://schemas.microsoft.com/office/drawing/2014/main" id="{9F3D9237-113C-4DC6-8158-EACF567FAD1F}"/>
+                </a:ext>
+              </a:extLst>
+            </p:cNvPr>
+            <p:cNvSpPr txBox="1"/>
+            <p:nvPr/>
+          </p:nvSpPr>
+          <p:spPr>
+            <a:xfrm>
+              <a:off x="5754847" y="1843342"/>
+              <a:ext cx="1308683" cy="276999"/>
+            </a:xfrm>
+            <a:prstGeom prst="rect">
+              <a:avLst/>
+            </a:prstGeom>
+            <a:solidFill>
+              <a:schemeClr val="bg1"/>
+            </a:solidFill>
+          </p:spPr>
+          <p:txBody>
+            <a:bodyPr wrap="square" rtlCol="0">
+              <a:spAutoFit/>
+            </a:bodyPr>
+            <a:lstStyle/>
+            <a:p>
+              <a:pPr algn="ctr"/>
+              <a:r>
+                <a:rPr kumimoji="1" lang="ja-JP" altLang="en-US" sz="1200" dirty="0"/>
+                <a:t>レンジブレイク</a:t>
+              </a:r>
+            </a:p>
+          </p:txBody>
+        </p:sp>
+        <p:cxnSp>
+          <p:nvCxnSpPr>
+            <p:cNvPr id="14" name="直線矢印コネクタ 13">
+              <a:extLst>
+                <a:ext uri="{FF2B5EF4-FFF2-40B4-BE49-F238E27FC236}">
+                  <a16:creationId xmlns:a16="http://schemas.microsoft.com/office/drawing/2014/main" id="{1F4B46C7-8DE9-43D3-BE82-105AA822B64E}"/>
+                </a:ext>
+              </a:extLst>
+            </p:cNvPr>
+            <p:cNvCxnSpPr>
+              <a:endCxn id="11" idx="1"/>
+            </p:cNvCxnSpPr>
+            <p:nvPr/>
+          </p:nvCxnSpPr>
+          <p:spPr>
+            <a:xfrm>
+              <a:off x="6929306" y="2029380"/>
+              <a:ext cx="168623" cy="146414"/>
+            </a:xfrm>
+            <a:prstGeom prst="straightConnector1">
+              <a:avLst/>
+            </a:prstGeom>
+            <a:ln w="28575">
+              <a:solidFill>
+                <a:srgbClr val="FF0000"/>
+              </a:solidFill>
+              <a:tailEnd type="triangle"/>
+            </a:ln>
+          </p:spPr>
+          <p:style>
+            <a:lnRef idx="1">
+              <a:schemeClr val="accent1"/>
+            </a:lnRef>
+            <a:fillRef idx="0">
+              <a:schemeClr val="accent1"/>
+            </a:fillRef>
+            <a:effectRef idx="0">
+              <a:schemeClr val="accent1"/>
+            </a:effectRef>
+            <a:fontRef idx="minor">
+              <a:schemeClr val="tx1"/>
+            </a:fontRef>
+          </p:style>
+        </p:cxnSp>
+      </p:grpSp>
+    </p:spTree>
+    <p:extLst>
+      <p:ext uri="{BB962C8B-B14F-4D97-AF65-F5344CB8AC3E}">
+        <p14:creationId xmlns:p14="http://schemas.microsoft.com/office/powerpoint/2010/main" val="4198154360"/>
+      </p:ext>
+    </p:extLst>
+  </p:cSld>
+  <p:clrMapOvr>
+    <a:masterClrMapping/>
+  </p:clrMapOvr>
+</p:sld>
+</file>
+
+<file path=ppt/slides/slide4.xml><?xml version="1.0" encoding="utf-8"?>
+<p:sld xmlns:a="http://schemas.openxmlformats.org/drawingml/2006/main" xmlns:r="http://schemas.openxmlformats.org/officeDocument/2006/relationships" xmlns:p="http://schemas.openxmlformats.org/presentationml/2006/main">
+  <p:cSld>
+    <p:spTree>
+      <p:nvGrpSpPr>
+        <p:cNvPr id="1" name=""/>
+        <p:cNvGrpSpPr/>
+        <p:nvPr/>
+      </p:nvGrpSpPr>
+      <p:grpSpPr>
+        <a:xfrm>
+          <a:off x="0" y="0"/>
+          <a:ext cx="0" cy="0"/>
+          <a:chOff x="0" y="0"/>
+          <a:chExt cx="0" cy="0"/>
+        </a:xfrm>
+      </p:grpSpPr>
+      <p:grpSp>
+        <p:nvGrpSpPr>
+          <p:cNvPr id="24" name="グループ化 23">
+            <a:extLst>
+              <a:ext uri="{FF2B5EF4-FFF2-40B4-BE49-F238E27FC236}">
+                <a16:creationId xmlns:a16="http://schemas.microsoft.com/office/drawing/2014/main" id="{43CC60CE-BC17-4FDA-87A1-A35BDDDA162A}"/>
+              </a:ext>
+            </a:extLst>
+          </p:cNvPr>
+          <p:cNvGrpSpPr/>
+          <p:nvPr/>
+        </p:nvGrpSpPr>
+        <p:grpSpPr>
+          <a:xfrm>
+            <a:off x="2927758" y="945858"/>
+            <a:ext cx="5654179" cy="4966283"/>
+            <a:chOff x="2927758" y="945858"/>
+            <a:chExt cx="5654179" cy="4966283"/>
+          </a:xfrm>
+        </p:grpSpPr>
+        <p:pic>
+          <p:nvPicPr>
+            <p:cNvPr id="5" name="図 4">
+              <a:extLst>
+                <a:ext uri="{FF2B5EF4-FFF2-40B4-BE49-F238E27FC236}">
+                  <a16:creationId xmlns:a16="http://schemas.microsoft.com/office/drawing/2014/main" id="{46AEB12A-3300-4425-8BF0-0B92D2158F97}"/>
+                </a:ext>
+              </a:extLst>
+            </p:cNvPr>
+            <p:cNvPicPr>
+              <a:picLocks noChangeAspect="1"/>
+            </p:cNvPicPr>
+            <p:nvPr/>
+          </p:nvPicPr>
+          <p:blipFill rotWithShape="1">
+            <a:blip r:embed="rId2">
+              <a:extLst>
+                <a:ext uri="{28A0092B-C50C-407E-A947-70E740481C1C}">
+                  <a14:useLocalDpi xmlns:a14="http://schemas.microsoft.com/office/drawing/2010/main" val="0"/>
+                </a:ext>
+              </a:extLst>
+            </a:blip>
+            <a:srcRect l="6219" t="5084" r="42253" b="4396"/>
+            <a:stretch/>
+          </p:blipFill>
+          <p:spPr>
+            <a:xfrm>
+              <a:off x="2927758" y="945858"/>
+              <a:ext cx="5654179" cy="4966283"/>
+            </a:xfrm>
+            <a:prstGeom prst="rect">
+              <a:avLst/>
+            </a:prstGeom>
+          </p:spPr>
+        </p:pic>
+        <p:cxnSp>
+          <p:nvCxnSpPr>
+            <p:cNvPr id="7" name="直線コネクタ 6">
+              <a:extLst>
+                <a:ext uri="{FF2B5EF4-FFF2-40B4-BE49-F238E27FC236}">
+                  <a16:creationId xmlns:a16="http://schemas.microsoft.com/office/drawing/2014/main" id="{A21B409A-99A6-4B98-A125-53DDC704C877}"/>
+                </a:ext>
+              </a:extLst>
+            </p:cNvPr>
+            <p:cNvCxnSpPr>
+              <a:cxnSpLocks/>
+            </p:cNvCxnSpPr>
+            <p:nvPr/>
+          </p:nvCxnSpPr>
+          <p:spPr>
+            <a:xfrm flipV="1">
+              <a:off x="6096000" y="1510019"/>
+              <a:ext cx="2251046" cy="2776755"/>
+            </a:xfrm>
+            <a:prstGeom prst="line">
+              <a:avLst/>
+            </a:prstGeom>
+            <a:ln w="38100">
+              <a:solidFill>
+                <a:schemeClr val="accent6"/>
+              </a:solidFill>
+            </a:ln>
+          </p:spPr>
+          <p:style>
+            <a:lnRef idx="1">
+              <a:schemeClr val="accent1"/>
+            </a:lnRef>
+            <a:fillRef idx="0">
+              <a:schemeClr val="accent1"/>
+            </a:fillRef>
+            <a:effectRef idx="0">
+              <a:schemeClr val="accent1"/>
+            </a:effectRef>
+            <a:fontRef idx="minor">
+              <a:schemeClr val="tx1"/>
+            </a:fontRef>
+          </p:style>
+        </p:cxnSp>
+        <p:cxnSp>
+          <p:nvCxnSpPr>
+            <p:cNvPr id="9" name="直線コネクタ 8">
+              <a:extLst>
+                <a:ext uri="{FF2B5EF4-FFF2-40B4-BE49-F238E27FC236}">
+                  <a16:creationId xmlns:a16="http://schemas.microsoft.com/office/drawing/2014/main" id="{CA41A78A-7A30-4212-ADC7-B89E954AE250}"/>
+                </a:ext>
+              </a:extLst>
+            </p:cNvPr>
+            <p:cNvCxnSpPr>
+              <a:cxnSpLocks/>
+            </p:cNvCxnSpPr>
+            <p:nvPr/>
+          </p:nvCxnSpPr>
+          <p:spPr>
+            <a:xfrm flipV="1">
+              <a:off x="7339845" y="3151972"/>
+              <a:ext cx="1007201" cy="1933855"/>
+            </a:xfrm>
+            <a:prstGeom prst="line">
+              <a:avLst/>
+            </a:prstGeom>
+            <a:ln w="38100">
+              <a:solidFill>
+                <a:schemeClr val="accent6"/>
+              </a:solidFill>
+            </a:ln>
+          </p:spPr>
+          <p:style>
+            <a:lnRef idx="1">
+              <a:schemeClr val="accent1"/>
+            </a:lnRef>
+            <a:fillRef idx="0">
+              <a:schemeClr val="accent1"/>
+            </a:fillRef>
+            <a:effectRef idx="0">
+              <a:schemeClr val="accent1"/>
+            </a:effectRef>
+            <a:fontRef idx="minor">
+              <a:schemeClr val="tx1"/>
+            </a:fontRef>
+          </p:style>
+        </p:cxnSp>
+        <p:grpSp>
+          <p:nvGrpSpPr>
+            <p:cNvPr id="15" name="グループ化 14">
+              <a:extLst>
+                <a:ext uri="{FF2B5EF4-FFF2-40B4-BE49-F238E27FC236}">
+                  <a16:creationId xmlns:a16="http://schemas.microsoft.com/office/drawing/2014/main" id="{B54A7D1B-2365-4C6A-807A-55DDCF73EBAD}"/>
+                </a:ext>
+              </a:extLst>
+            </p:cNvPr>
+            <p:cNvGrpSpPr/>
+            <p:nvPr/>
+          </p:nvGrpSpPr>
+          <p:grpSpPr>
+            <a:xfrm>
+              <a:off x="4219663" y="3697309"/>
+              <a:ext cx="2012319" cy="461665"/>
+              <a:chOff x="5754847" y="1843342"/>
+              <a:chExt cx="1440417" cy="461665"/>
+            </a:xfrm>
+          </p:grpSpPr>
+          <p:sp>
+            <p:nvSpPr>
+              <p:cNvPr id="13" name="テキスト ボックス 12">
+                <a:extLst>
+                  <a:ext uri="{FF2B5EF4-FFF2-40B4-BE49-F238E27FC236}">
+                    <a16:creationId xmlns:a16="http://schemas.microsoft.com/office/drawing/2014/main" id="{68A806FF-605E-434A-B6F1-5CAD52A8DC4E}"/>
+                  </a:ext>
+                </a:extLst>
+              </p:cNvPr>
+              <p:cNvSpPr txBox="1"/>
+              <p:nvPr/>
+            </p:nvSpPr>
+            <p:spPr>
+              <a:xfrm>
+                <a:off x="5754847" y="1843342"/>
+                <a:ext cx="1308683" cy="461665"/>
+              </a:xfrm>
+              <a:prstGeom prst="rect">
+                <a:avLst/>
+              </a:prstGeom>
+              <a:solidFill>
+                <a:schemeClr val="bg1"/>
+              </a:solidFill>
+            </p:spPr>
+            <p:txBody>
+              <a:bodyPr wrap="square" rtlCol="0">
+                <a:spAutoFit/>
+              </a:bodyPr>
+              <a:lstStyle/>
+              <a:p>
+                <a:pPr algn="ctr"/>
+                <a:r>
+                  <a:rPr lang="ja-JP" altLang="en-US" sz="1200" dirty="0"/>
+                  <a:t>上昇チャネルライン</a:t>
+                </a:r>
+                <a:endParaRPr kumimoji="1" lang="ja-JP" altLang="en-US" sz="1200" dirty="0"/>
+              </a:p>
+            </p:txBody>
+          </p:sp>
+          <p:cxnSp>
+            <p:nvCxnSpPr>
+              <p:cNvPr id="14" name="直線矢印コネクタ 13">
+                <a:extLst>
+                  <a:ext uri="{FF2B5EF4-FFF2-40B4-BE49-F238E27FC236}">
+                    <a16:creationId xmlns:a16="http://schemas.microsoft.com/office/drawing/2014/main" id="{39D885C7-936B-4274-8FA8-5294B1B7DCD0}"/>
+                  </a:ext>
+                </a:extLst>
+              </p:cNvPr>
+              <p:cNvCxnSpPr>
+                <a:cxnSpLocks/>
+              </p:cNvCxnSpPr>
+              <p:nvPr/>
+            </p:nvCxnSpPr>
+            <p:spPr>
+              <a:xfrm>
+                <a:off x="6929306" y="2029380"/>
+                <a:ext cx="265958" cy="109813"/>
+              </a:xfrm>
+              <a:prstGeom prst="straightConnector1">
+                <a:avLst/>
+              </a:prstGeom>
+              <a:ln w="28575">
+                <a:solidFill>
+                  <a:srgbClr val="FF0000"/>
+                </a:solidFill>
+                <a:tailEnd type="triangle"/>
+              </a:ln>
+            </p:spPr>
+            <p:style>
+              <a:lnRef idx="1">
+                <a:schemeClr val="accent1"/>
+              </a:lnRef>
+              <a:fillRef idx="0">
+                <a:schemeClr val="accent1"/>
+              </a:fillRef>
+              <a:effectRef idx="0">
+                <a:schemeClr val="accent1"/>
+              </a:effectRef>
+              <a:fontRef idx="minor">
+                <a:schemeClr val="tx1"/>
+              </a:fontRef>
+            </p:style>
+          </p:cxnSp>
+        </p:grpSp>
+        <p:sp>
+          <p:nvSpPr>
+            <p:cNvPr id="17" name="テキスト ボックス 16">
+              <a:extLst>
+                <a:ext uri="{FF2B5EF4-FFF2-40B4-BE49-F238E27FC236}">
+                  <a16:creationId xmlns:a16="http://schemas.microsoft.com/office/drawing/2014/main" id="{E91D168A-7374-405C-8E68-7440633373E7}"/>
+                </a:ext>
+              </a:extLst>
+            </p:cNvPr>
+            <p:cNvSpPr txBox="1"/>
+            <p:nvPr/>
+          </p:nvSpPr>
+          <p:spPr>
+            <a:xfrm>
+              <a:off x="4219661" y="4286774"/>
+              <a:ext cx="1828281" cy="276999"/>
+            </a:xfrm>
+            <a:prstGeom prst="rect">
+              <a:avLst/>
+            </a:prstGeom>
+            <a:solidFill>
+              <a:schemeClr val="bg1"/>
+            </a:solidFill>
+          </p:spPr>
+          <p:txBody>
+            <a:bodyPr wrap="square" rtlCol="0">
+              <a:spAutoFit/>
+            </a:bodyPr>
+            <a:lstStyle/>
+            <a:p>
+              <a:pPr algn="ctr"/>
+              <a:r>
+                <a:rPr kumimoji="1" lang="ja-JP" altLang="en-US" sz="1200" dirty="0"/>
+                <a:t>サポートライン</a:t>
+              </a:r>
+            </a:p>
+          </p:txBody>
+        </p:sp>
+        <p:cxnSp>
+          <p:nvCxnSpPr>
+            <p:cNvPr id="18" name="直線矢印コネクタ 17">
+              <a:extLst>
+                <a:ext uri="{FF2B5EF4-FFF2-40B4-BE49-F238E27FC236}">
+                  <a16:creationId xmlns:a16="http://schemas.microsoft.com/office/drawing/2014/main" id="{72EE6F91-370C-4181-9044-B3F7AB966921}"/>
+                </a:ext>
+              </a:extLst>
+            </p:cNvPr>
+            <p:cNvCxnSpPr>
+              <a:cxnSpLocks/>
+            </p:cNvCxnSpPr>
+            <p:nvPr/>
+          </p:nvCxnSpPr>
+          <p:spPr>
+            <a:xfrm>
+              <a:off x="5679347" y="4468852"/>
+              <a:ext cx="1612440" cy="490947"/>
+            </a:xfrm>
+            <a:prstGeom prst="straightConnector1">
+              <a:avLst/>
+            </a:prstGeom>
+            <a:ln w="28575">
+              <a:solidFill>
+                <a:srgbClr val="FF0000"/>
+              </a:solidFill>
+              <a:tailEnd type="triangle"/>
+            </a:ln>
+          </p:spPr>
+          <p:style>
+            <a:lnRef idx="1">
+              <a:schemeClr val="accent1"/>
+            </a:lnRef>
+            <a:fillRef idx="0">
+              <a:schemeClr val="accent1"/>
+            </a:fillRef>
+            <a:effectRef idx="0">
+              <a:schemeClr val="accent1"/>
+            </a:effectRef>
+            <a:fontRef idx="minor">
+              <a:schemeClr val="tx1"/>
+            </a:fontRef>
+          </p:style>
+        </p:cxnSp>
+      </p:grpSp>
+    </p:spTree>
+    <p:extLst>
+      <p:ext uri="{BB962C8B-B14F-4D97-AF65-F5344CB8AC3E}">
+        <p14:creationId xmlns:p14="http://schemas.microsoft.com/office/powerpoint/2010/main" val="2032984166"/>
+      </p:ext>
+    </p:extLst>
+  </p:cSld>
+  <p:clrMapOvr>
+    <a:masterClrMapping/>
+  </p:clrMapOvr>
+</p:sld>
+</file>
+
+<file path=ppt/slides/slide5.xml><?xml version="1.0" encoding="utf-8"?>
+<p:sld xmlns:a="http://schemas.openxmlformats.org/drawingml/2006/main" xmlns:r="http://schemas.openxmlformats.org/officeDocument/2006/relationships" xmlns:p="http://schemas.openxmlformats.org/presentationml/2006/main">
+  <p:cSld>
+    <p:spTree>
+      <p:nvGrpSpPr>
+        <p:cNvPr id="1" name=""/>
+        <p:cNvGrpSpPr/>
+        <p:nvPr/>
+      </p:nvGrpSpPr>
+      <p:grpSpPr>
+        <a:xfrm>
+          <a:off x="0" y="0"/>
+          <a:ext cx="0" cy="0"/>
+          <a:chOff x="0" y="0"/>
+          <a:chExt cx="0" cy="0"/>
+        </a:xfrm>
+      </p:grpSpPr>
+      <p:pic>
+        <p:nvPicPr>
+          <p:cNvPr id="9" name="図 8">
+            <a:extLst>
+              <a:ext uri="{FF2B5EF4-FFF2-40B4-BE49-F238E27FC236}">
+                <a16:creationId xmlns:a16="http://schemas.microsoft.com/office/drawing/2014/main" id="{205D6F61-D9D5-431C-A4D1-1CD57F9383CF}"/>
+              </a:ext>
+            </a:extLst>
+          </p:cNvPr>
+          <p:cNvPicPr>
+            <a:picLocks noChangeAspect="1"/>
+          </p:cNvPicPr>
+          <p:nvPr/>
+        </p:nvPicPr>
+        <p:blipFill rotWithShape="1">
+          <a:blip r:embed="rId2">
+            <a:extLst>
+              <a:ext uri="{28A0092B-C50C-407E-A947-70E740481C1C}">
+                <a14:useLocalDpi xmlns:a14="http://schemas.microsoft.com/office/drawing/2010/main" val="0"/>
+              </a:ext>
+            </a:extLst>
+          </a:blip>
+          <a:srcRect l="5989" t="5696" r="41565" b="5008"/>
+          <a:stretch/>
+        </p:blipFill>
+        <p:spPr>
+          <a:xfrm>
+            <a:off x="3218576" y="979414"/>
+            <a:ext cx="5754847" cy="4899171"/>
+          </a:xfrm>
+          <a:prstGeom prst="rect">
+            <a:avLst/>
+          </a:prstGeom>
+        </p:spPr>
+      </p:pic>
+    </p:spTree>
+    <p:extLst>
+      <p:ext uri="{BB962C8B-B14F-4D97-AF65-F5344CB8AC3E}">
+        <p14:creationId xmlns:p14="http://schemas.microsoft.com/office/powerpoint/2010/main" val="1256632864"/>
+      </p:ext>
+    </p:extLst>
+  </p:cSld>
+  <p:clrMapOvr>
+    <a:masterClrMapping/>
+  </p:clrMapOvr>
+</p:sld>
+</file>
+
 <file path=ppt/theme/theme1.xml><?xml version="1.0" encoding="utf-8"?>
 <a:theme xmlns:a="http://schemas.openxmlformats.org/drawingml/2006/main" name="Office テーマ">
   <a:themeElements>
